--- a/slides/Final presentation/Massive Dynamic Final Presentation.pptx
+++ b/slides/Final presentation/Massive Dynamic Final Presentation.pptx
@@ -8370,6 +8370,35 @@
           </a:prstGeom>
         </p:spPr>
       </p:pic>
+      <p:sp>
+        <p:nvSpPr>
+          <p:cNvPr id="6" name="Rectangle 5"/>
+          <p:cNvSpPr/>
+          <p:nvPr/>
+        </p:nvSpPr>
+        <p:spPr>
+          <a:xfrm>
+            <a:off x="7192587" y="6581504"/>
+            <a:ext cx="5096267" cy="369332"/>
+          </a:xfrm>
+          <a:prstGeom prst="rect">
+            <a:avLst/>
+          </a:prstGeom>
+        </p:spPr>
+        <p:txBody>
+          <a:bodyPr wrap="none">
+            <a:spAutoFit/>
+          </a:bodyPr>
+          <a:lstStyle/>
+          <a:p>
+            <a:r>
+              <a:rPr lang="en-ZA" dirty="0" smtClean="0"/>
+              <a:t>https://en.wikipedia.org/wiki/K-means_clustering</a:t>
+            </a:r>
+            <a:endParaRPr lang="en-ZA" dirty="0"/>
+          </a:p>
+        </p:txBody>
+      </p:sp>
     </p:spTree>
   </p:cSld>
   <p:clrMapOvr>
